--- a/UE19CS204 – WT – Project Report Section G- Group 18.pptx
+++ b/UE19CS204 – WT – Project Report Section G- Group 18.pptx
@@ -10,6 +10,10 @@
     <p:sldId id="258" r:id="rId4"/>
     <p:sldId id="259" r:id="rId5"/>
     <p:sldId id="260" r:id="rId6"/>
+    <p:sldId id="261" r:id="rId7"/>
+    <p:sldId id="262" r:id="rId8"/>
+    <p:sldId id="263" r:id="rId9"/>
+    <p:sldId id="264" r:id="rId10"/>
   </p:sldIdLst>
   <p:sldSz cx="9144000" cy="6858000" type="screen4x3"/>
   <p:notesSz cx="6858000" cy="9144000"/>
@@ -3467,7 +3471,9 @@
         </p:nvSpPr>
         <p:spPr/>
         <p:txBody>
-          <a:bodyPr/>
+          <a:bodyPr>
+            <a:normAutofit fontScale="85000" lnSpcReduction="10000"/>
+          </a:bodyPr>
           <a:lstStyle/>
           <a:p>
             <a:r>
@@ -3487,6 +3493,12 @@
             <a:r>
               <a:rPr lang="en-GB" dirty="0"/>
               <a:t>This project also helps further improve understanding of the various technologies used in the making of a website.</a:t>
+            </a:r>
+          </a:p>
+          <a:p>
+            <a:r>
+              <a:rPr lang="en-GB" dirty="0"/>
+              <a:t>The website allows users to view a collection of products, add them to the cart and simulate a ‘checkout’ to confirm the purchase. They can also view the orders they made.</a:t>
             </a:r>
           </a:p>
         </p:txBody>
@@ -3708,7 +3720,7 @@
         <p:spPr/>
         <p:txBody>
           <a:bodyPr>
-            <a:normAutofit fontScale="92500" lnSpcReduction="20000"/>
+            <a:normAutofit fontScale="70000" lnSpcReduction="20000"/>
           </a:bodyPr>
           <a:lstStyle/>
           <a:p>
@@ -3736,13 +3748,6 @@
             <a:pPr lvl="1"/>
             <a:r>
               <a:rPr lang="en-US" dirty="0"/>
-              <a:t>Handling page routing using React Router.</a:t>
-            </a:r>
-          </a:p>
-          <a:p>
-            <a:pPr lvl="1"/>
-            <a:r>
-              <a:rPr lang="en-US" dirty="0"/>
               <a:t>Handling user login/registration functionalities using </a:t>
             </a:r>
             <a:r>
@@ -3751,7 +3756,7 @@
             </a:r>
             <a:r>
               <a:rPr lang="en-US" dirty="0"/>
-              <a:t> and JWT-server-auth.</a:t>
+              <a:t> and JSON-server-auth.</a:t>
             </a:r>
           </a:p>
           <a:p>
@@ -3777,6 +3782,13 @@
             </a:r>
           </a:p>
           <a:p>
+            <a:pPr lvl="1"/>
+            <a:r>
+              <a:rPr lang="en-US" dirty="0"/>
+              <a:t>Order view functionality.</a:t>
+            </a:r>
+          </a:p>
+          <a:p>
             <a:r>
               <a:rPr lang="en-US" dirty="0" err="1"/>
               <a:t>Sasira</a:t>
@@ -3787,9 +3799,37 @@
             </a:r>
           </a:p>
           <a:p>
+            <a:pPr lvl="1"/>
+            <a:r>
+              <a:rPr lang="en-US" dirty="0"/>
+              <a:t>Handling page routing using React Router.</a:t>
+            </a:r>
+          </a:p>
+          <a:p>
+            <a:pPr lvl="1"/>
+            <a:r>
+              <a:rPr lang="en-US" dirty="0"/>
+              <a:t>Creating the register form.</a:t>
+            </a:r>
+          </a:p>
+          <a:p>
             <a:r>
               <a:rPr lang="en-US" dirty="0"/>
               <a:t>Nithya:</a:t>
+            </a:r>
+          </a:p>
+          <a:p>
+            <a:pPr lvl="1"/>
+            <a:r>
+              <a:rPr lang="en-US" dirty="0"/>
+              <a:t>Creating the database for the products.</a:t>
+            </a:r>
+          </a:p>
+          <a:p>
+            <a:pPr lvl="1"/>
+            <a:r>
+              <a:rPr lang="en-US" dirty="0"/>
+              <a:t>Creating the login form.</a:t>
             </a:r>
           </a:p>
           <a:p>
@@ -3851,35 +3891,413 @@
           </a:p>
         </p:txBody>
       </p:sp>
-      <p:sp>
-        <p:nvSpPr>
-          <p:cNvPr id="3" name="Content Placeholder 2">
+      <p:pic>
+        <p:nvPicPr>
+          <p:cNvPr id="5" name="Content Placeholder 4" descr="A screenshot of a computer screen&#10;&#10;Description automatically generated">
             <a:extLst>
               <a:ext uri="{FF2B5EF4-FFF2-40B4-BE49-F238E27FC236}">
-                <a16:creationId xmlns:a16="http://schemas.microsoft.com/office/drawing/2014/main" id="{543565AF-B14C-4D91-8095-932281CA07F8}"/>
+                <a16:creationId xmlns:a16="http://schemas.microsoft.com/office/drawing/2014/main" id="{DD021B0E-DC11-4694-A8EB-DE5C31772282}"/>
               </a:ext>
             </a:extLst>
           </p:cNvPr>
-          <p:cNvSpPr>
-            <a:spLocks noGrp="1"/>
-          </p:cNvSpPr>
+          <p:cNvPicPr>
+            <a:picLocks noGrp="1" noChangeAspect="1"/>
+          </p:cNvPicPr>
           <p:nvPr>
             <p:ph idx="1"/>
           </p:nvPr>
-        </p:nvSpPr>
-        <p:spPr/>
-        <p:txBody>
-          <a:bodyPr/>
-          <a:lstStyle/>
-          <a:p>
-            <a:endParaRPr lang="en-IN"/>
-          </a:p>
-        </p:txBody>
-      </p:sp>
+        </p:nvPicPr>
+        <p:blipFill>
+          <a:blip r:embed="rId2">
+            <a:extLst>
+              <a:ext uri="{28A0092B-C50C-407E-A947-70E740481C1C}">
+                <a14:useLocalDpi xmlns:a14="http://schemas.microsoft.com/office/drawing/2010/main" val="0"/>
+              </a:ext>
+            </a:extLst>
+          </a:blip>
+          <a:stretch>
+            <a:fillRect/>
+          </a:stretch>
+        </p:blipFill>
+        <p:spPr>
+          <a:xfrm>
+            <a:off x="548922" y="1600200"/>
+            <a:ext cx="8046156" cy="4525963"/>
+          </a:xfrm>
+        </p:spPr>
+      </p:pic>
     </p:spTree>
     <p:extLst>
       <p:ext uri="{BB962C8B-B14F-4D97-AF65-F5344CB8AC3E}">
         <p14:creationId xmlns:p14="http://schemas.microsoft.com/office/powerpoint/2010/main" val="336685948"/>
+      </p:ext>
+    </p:extLst>
+  </p:cSld>
+  <p:clrMapOvr>
+    <a:masterClrMapping/>
+  </p:clrMapOvr>
+</p:sld>
+</file>
+
+<file path=ppt/slides/slide6.xml><?xml version="1.0" encoding="utf-8"?>
+<p:sld xmlns:a="http://schemas.openxmlformats.org/drawingml/2006/main" xmlns:r="http://schemas.openxmlformats.org/officeDocument/2006/relationships" xmlns:p="http://schemas.openxmlformats.org/presentationml/2006/main">
+  <p:cSld>
+    <p:spTree>
+      <p:nvGrpSpPr>
+        <p:cNvPr id="1" name=""/>
+        <p:cNvGrpSpPr/>
+        <p:nvPr/>
+      </p:nvGrpSpPr>
+      <p:grpSpPr>
+        <a:xfrm>
+          <a:off x="0" y="0"/>
+          <a:ext cx="0" cy="0"/>
+          <a:chOff x="0" y="0"/>
+          <a:chExt cx="0" cy="0"/>
+        </a:xfrm>
+      </p:grpSpPr>
+      <p:sp>
+        <p:nvSpPr>
+          <p:cNvPr id="2" name="Title 1">
+            <a:extLst>
+              <a:ext uri="{FF2B5EF4-FFF2-40B4-BE49-F238E27FC236}">
+                <a16:creationId xmlns:a16="http://schemas.microsoft.com/office/drawing/2014/main" id="{B0D62687-4B28-4893-86DB-B823157BFF7F}"/>
+              </a:ext>
+            </a:extLst>
+          </p:cNvPr>
+          <p:cNvSpPr>
+            <a:spLocks noGrp="1"/>
+          </p:cNvSpPr>
+          <p:nvPr>
+            <p:ph type="title"/>
+          </p:nvPr>
+        </p:nvSpPr>
+        <p:spPr/>
+        <p:txBody>
+          <a:bodyPr/>
+          <a:lstStyle/>
+          <a:p>
+            <a:r>
+              <a:rPr lang="en-IN" dirty="0"/>
+              <a:t>Screenshots</a:t>
+            </a:r>
+          </a:p>
+        </p:txBody>
+      </p:sp>
+      <p:pic>
+        <p:nvPicPr>
+          <p:cNvPr id="5" name="Content Placeholder 4">
+            <a:extLst>
+              <a:ext uri="{FF2B5EF4-FFF2-40B4-BE49-F238E27FC236}">
+                <a16:creationId xmlns:a16="http://schemas.microsoft.com/office/drawing/2014/main" id="{DD021B0E-DC11-4694-A8EB-DE5C31772282}"/>
+              </a:ext>
+            </a:extLst>
+          </p:cNvPr>
+          <p:cNvPicPr>
+            <a:picLocks noGrp="1" noChangeAspect="1"/>
+          </p:cNvPicPr>
+          <p:nvPr>
+            <p:ph idx="1"/>
+          </p:nvPr>
+        </p:nvPicPr>
+        <p:blipFill>
+          <a:blip r:embed="rId2">
+            <a:extLst>
+              <a:ext uri="{28A0092B-C50C-407E-A947-70E740481C1C}">
+                <a14:useLocalDpi xmlns:a14="http://schemas.microsoft.com/office/drawing/2010/main" val="0"/>
+              </a:ext>
+            </a:extLst>
+          </a:blip>
+          <a:srcRect/>
+          <a:stretch/>
+        </p:blipFill>
+        <p:spPr>
+          <a:xfrm>
+            <a:off x="548922" y="1600200"/>
+            <a:ext cx="8046156" cy="4525962"/>
+          </a:xfrm>
+        </p:spPr>
+      </p:pic>
+    </p:spTree>
+    <p:extLst>
+      <p:ext uri="{BB962C8B-B14F-4D97-AF65-F5344CB8AC3E}">
+        <p14:creationId xmlns:p14="http://schemas.microsoft.com/office/powerpoint/2010/main" val="175246225"/>
+      </p:ext>
+    </p:extLst>
+  </p:cSld>
+  <p:clrMapOvr>
+    <a:masterClrMapping/>
+  </p:clrMapOvr>
+</p:sld>
+</file>
+
+<file path=ppt/slides/slide7.xml><?xml version="1.0" encoding="utf-8"?>
+<p:sld xmlns:a="http://schemas.openxmlformats.org/drawingml/2006/main" xmlns:r="http://schemas.openxmlformats.org/officeDocument/2006/relationships" xmlns:p="http://schemas.openxmlformats.org/presentationml/2006/main">
+  <p:cSld>
+    <p:spTree>
+      <p:nvGrpSpPr>
+        <p:cNvPr id="1" name=""/>
+        <p:cNvGrpSpPr/>
+        <p:nvPr/>
+      </p:nvGrpSpPr>
+      <p:grpSpPr>
+        <a:xfrm>
+          <a:off x="0" y="0"/>
+          <a:ext cx="0" cy="0"/>
+          <a:chOff x="0" y="0"/>
+          <a:chExt cx="0" cy="0"/>
+        </a:xfrm>
+      </p:grpSpPr>
+      <p:sp>
+        <p:nvSpPr>
+          <p:cNvPr id="2" name="Title 1">
+            <a:extLst>
+              <a:ext uri="{FF2B5EF4-FFF2-40B4-BE49-F238E27FC236}">
+                <a16:creationId xmlns:a16="http://schemas.microsoft.com/office/drawing/2014/main" id="{B0D62687-4B28-4893-86DB-B823157BFF7F}"/>
+              </a:ext>
+            </a:extLst>
+          </p:cNvPr>
+          <p:cNvSpPr>
+            <a:spLocks noGrp="1"/>
+          </p:cNvSpPr>
+          <p:nvPr>
+            <p:ph type="title"/>
+          </p:nvPr>
+        </p:nvSpPr>
+        <p:spPr/>
+        <p:txBody>
+          <a:bodyPr/>
+          <a:lstStyle/>
+          <a:p>
+            <a:r>
+              <a:rPr lang="en-IN" dirty="0"/>
+              <a:t>Screenshots</a:t>
+            </a:r>
+          </a:p>
+        </p:txBody>
+      </p:sp>
+      <p:pic>
+        <p:nvPicPr>
+          <p:cNvPr id="5" name="Content Placeholder 4">
+            <a:extLst>
+              <a:ext uri="{FF2B5EF4-FFF2-40B4-BE49-F238E27FC236}">
+                <a16:creationId xmlns:a16="http://schemas.microsoft.com/office/drawing/2014/main" id="{DD021B0E-DC11-4694-A8EB-DE5C31772282}"/>
+              </a:ext>
+            </a:extLst>
+          </p:cNvPr>
+          <p:cNvPicPr>
+            <a:picLocks noGrp="1" noChangeAspect="1"/>
+          </p:cNvPicPr>
+          <p:nvPr>
+            <p:ph idx="1"/>
+          </p:nvPr>
+        </p:nvPicPr>
+        <p:blipFill>
+          <a:blip r:embed="rId2">
+            <a:extLst>
+              <a:ext uri="{28A0092B-C50C-407E-A947-70E740481C1C}">
+                <a14:useLocalDpi xmlns:a14="http://schemas.microsoft.com/office/drawing/2010/main" val="0"/>
+              </a:ext>
+            </a:extLst>
+          </a:blip>
+          <a:srcRect/>
+          <a:stretch/>
+        </p:blipFill>
+        <p:spPr>
+          <a:xfrm>
+            <a:off x="548923" y="1600200"/>
+            <a:ext cx="8046154" cy="4525962"/>
+          </a:xfrm>
+        </p:spPr>
+      </p:pic>
+    </p:spTree>
+    <p:extLst>
+      <p:ext uri="{BB962C8B-B14F-4D97-AF65-F5344CB8AC3E}">
+        <p14:creationId xmlns:p14="http://schemas.microsoft.com/office/powerpoint/2010/main" val="1061678930"/>
+      </p:ext>
+    </p:extLst>
+  </p:cSld>
+  <p:clrMapOvr>
+    <a:masterClrMapping/>
+  </p:clrMapOvr>
+</p:sld>
+</file>
+
+<file path=ppt/slides/slide8.xml><?xml version="1.0" encoding="utf-8"?>
+<p:sld xmlns:a="http://schemas.openxmlformats.org/drawingml/2006/main" xmlns:r="http://schemas.openxmlformats.org/officeDocument/2006/relationships" xmlns:p="http://schemas.openxmlformats.org/presentationml/2006/main">
+  <p:cSld>
+    <p:spTree>
+      <p:nvGrpSpPr>
+        <p:cNvPr id="1" name=""/>
+        <p:cNvGrpSpPr/>
+        <p:nvPr/>
+      </p:nvGrpSpPr>
+      <p:grpSpPr>
+        <a:xfrm>
+          <a:off x="0" y="0"/>
+          <a:ext cx="0" cy="0"/>
+          <a:chOff x="0" y="0"/>
+          <a:chExt cx="0" cy="0"/>
+        </a:xfrm>
+      </p:grpSpPr>
+      <p:sp>
+        <p:nvSpPr>
+          <p:cNvPr id="2" name="Title 1">
+            <a:extLst>
+              <a:ext uri="{FF2B5EF4-FFF2-40B4-BE49-F238E27FC236}">
+                <a16:creationId xmlns:a16="http://schemas.microsoft.com/office/drawing/2014/main" id="{B0D62687-4B28-4893-86DB-B823157BFF7F}"/>
+              </a:ext>
+            </a:extLst>
+          </p:cNvPr>
+          <p:cNvSpPr>
+            <a:spLocks noGrp="1"/>
+          </p:cNvSpPr>
+          <p:nvPr>
+            <p:ph type="title"/>
+          </p:nvPr>
+        </p:nvSpPr>
+        <p:spPr/>
+        <p:txBody>
+          <a:bodyPr/>
+          <a:lstStyle/>
+          <a:p>
+            <a:r>
+              <a:rPr lang="en-IN" dirty="0"/>
+              <a:t>Screenshots</a:t>
+            </a:r>
+          </a:p>
+        </p:txBody>
+      </p:sp>
+      <p:pic>
+        <p:nvPicPr>
+          <p:cNvPr id="5" name="Content Placeholder 4">
+            <a:extLst>
+              <a:ext uri="{FF2B5EF4-FFF2-40B4-BE49-F238E27FC236}">
+                <a16:creationId xmlns:a16="http://schemas.microsoft.com/office/drawing/2014/main" id="{DD021B0E-DC11-4694-A8EB-DE5C31772282}"/>
+              </a:ext>
+            </a:extLst>
+          </p:cNvPr>
+          <p:cNvPicPr>
+            <a:picLocks noGrp="1" noChangeAspect="1"/>
+          </p:cNvPicPr>
+          <p:nvPr>
+            <p:ph idx="1"/>
+          </p:nvPr>
+        </p:nvPicPr>
+        <p:blipFill>
+          <a:blip r:embed="rId2">
+            <a:extLst>
+              <a:ext uri="{28A0092B-C50C-407E-A947-70E740481C1C}">
+                <a14:useLocalDpi xmlns:a14="http://schemas.microsoft.com/office/drawing/2010/main" val="0"/>
+              </a:ext>
+            </a:extLst>
+          </a:blip>
+          <a:srcRect/>
+          <a:stretch/>
+        </p:blipFill>
+        <p:spPr>
+          <a:xfrm>
+            <a:off x="548923" y="1600200"/>
+            <a:ext cx="8046154" cy="4525961"/>
+          </a:xfrm>
+        </p:spPr>
+      </p:pic>
+    </p:spTree>
+    <p:extLst>
+      <p:ext uri="{BB962C8B-B14F-4D97-AF65-F5344CB8AC3E}">
+        <p14:creationId xmlns:p14="http://schemas.microsoft.com/office/powerpoint/2010/main" val="1628554708"/>
+      </p:ext>
+    </p:extLst>
+  </p:cSld>
+  <p:clrMapOvr>
+    <a:masterClrMapping/>
+  </p:clrMapOvr>
+</p:sld>
+</file>
+
+<file path=ppt/slides/slide9.xml><?xml version="1.0" encoding="utf-8"?>
+<p:sld xmlns:a="http://schemas.openxmlformats.org/drawingml/2006/main" xmlns:r="http://schemas.openxmlformats.org/officeDocument/2006/relationships" xmlns:p="http://schemas.openxmlformats.org/presentationml/2006/main">
+  <p:cSld>
+    <p:spTree>
+      <p:nvGrpSpPr>
+        <p:cNvPr id="1" name=""/>
+        <p:cNvGrpSpPr/>
+        <p:nvPr/>
+      </p:nvGrpSpPr>
+      <p:grpSpPr>
+        <a:xfrm>
+          <a:off x="0" y="0"/>
+          <a:ext cx="0" cy="0"/>
+          <a:chOff x="0" y="0"/>
+          <a:chExt cx="0" cy="0"/>
+        </a:xfrm>
+      </p:grpSpPr>
+      <p:sp>
+        <p:nvSpPr>
+          <p:cNvPr id="2" name="Title 1">
+            <a:extLst>
+              <a:ext uri="{FF2B5EF4-FFF2-40B4-BE49-F238E27FC236}">
+                <a16:creationId xmlns:a16="http://schemas.microsoft.com/office/drawing/2014/main" id="{B0D62687-4B28-4893-86DB-B823157BFF7F}"/>
+              </a:ext>
+            </a:extLst>
+          </p:cNvPr>
+          <p:cNvSpPr>
+            <a:spLocks noGrp="1"/>
+          </p:cNvSpPr>
+          <p:nvPr>
+            <p:ph type="title"/>
+          </p:nvPr>
+        </p:nvSpPr>
+        <p:spPr/>
+        <p:txBody>
+          <a:bodyPr/>
+          <a:lstStyle/>
+          <a:p>
+            <a:r>
+              <a:rPr lang="en-IN" dirty="0"/>
+              <a:t>Screenshots</a:t>
+            </a:r>
+          </a:p>
+        </p:txBody>
+      </p:sp>
+      <p:pic>
+        <p:nvPicPr>
+          <p:cNvPr id="5" name="Content Placeholder 4">
+            <a:extLst>
+              <a:ext uri="{FF2B5EF4-FFF2-40B4-BE49-F238E27FC236}">
+                <a16:creationId xmlns:a16="http://schemas.microsoft.com/office/drawing/2014/main" id="{DD021B0E-DC11-4694-A8EB-DE5C31772282}"/>
+              </a:ext>
+            </a:extLst>
+          </p:cNvPr>
+          <p:cNvPicPr>
+            <a:picLocks noGrp="1" noChangeAspect="1"/>
+          </p:cNvPicPr>
+          <p:nvPr>
+            <p:ph idx="1"/>
+          </p:nvPr>
+        </p:nvPicPr>
+        <p:blipFill>
+          <a:blip r:embed="rId2">
+            <a:extLst>
+              <a:ext uri="{28A0092B-C50C-407E-A947-70E740481C1C}">
+                <a14:useLocalDpi xmlns:a14="http://schemas.microsoft.com/office/drawing/2010/main" val="0"/>
+              </a:ext>
+            </a:extLst>
+          </a:blip>
+          <a:srcRect/>
+          <a:stretch/>
+        </p:blipFill>
+        <p:spPr>
+          <a:xfrm>
+            <a:off x="548923" y="1600200"/>
+            <a:ext cx="8046154" cy="4525961"/>
+          </a:xfrm>
+        </p:spPr>
+      </p:pic>
+    </p:spTree>
+    <p:extLst>
+      <p:ext uri="{BB962C8B-B14F-4D97-AF65-F5344CB8AC3E}">
+        <p14:creationId xmlns:p14="http://schemas.microsoft.com/office/powerpoint/2010/main" val="1471517922"/>
       </p:ext>
     </p:extLst>
   </p:cSld>
